--- a/00_includes/Screenshots ppt/LNX01.pptx
+++ b/00_includes/Screenshots ppt/LNX01.pptx
@@ -6,16 +6,20 @@
   </p:sldMasterIdLst>
   <p:sldIdLst>
     <p:sldId id="256" r:id="rId2"/>
-    <p:sldId id="257" r:id="rId3"/>
-    <p:sldId id="258" r:id="rId4"/>
-    <p:sldId id="259" r:id="rId5"/>
-    <p:sldId id="260" r:id="rId6"/>
-    <p:sldId id="269" r:id="rId7"/>
-    <p:sldId id="268" r:id="rId8"/>
-    <p:sldId id="262" r:id="rId9"/>
-    <p:sldId id="263" r:id="rId10"/>
-    <p:sldId id="264" r:id="rId11"/>
-    <p:sldId id="265" r:id="rId12"/>
+    <p:sldId id="270" r:id="rId3"/>
+    <p:sldId id="271" r:id="rId4"/>
+    <p:sldId id="272" r:id="rId5"/>
+    <p:sldId id="273" r:id="rId6"/>
+    <p:sldId id="257" r:id="rId7"/>
+    <p:sldId id="258" r:id="rId8"/>
+    <p:sldId id="259" r:id="rId9"/>
+    <p:sldId id="260" r:id="rId10"/>
+    <p:sldId id="269" r:id="rId11"/>
+    <p:sldId id="268" r:id="rId12"/>
+    <p:sldId id="262" r:id="rId13"/>
+    <p:sldId id="263" r:id="rId14"/>
+    <p:sldId id="264" r:id="rId15"/>
+    <p:sldId id="265" r:id="rId16"/>
   </p:sldIdLst>
   <p:sldSz cx="12192000" cy="6858000"/>
   <p:notesSz cx="6858000" cy="9144000"/>
@@ -269,7 +273,7 @@
           <a:p>
             <a:fld id="{F1FB4232-B2DB-4A24-8FCD-6F9EDD411114}" type="datetimeFigureOut">
               <a:rPr lang="en-US" smtClean="0"/>
-              <a:t>12/10/2021</a:t>
+              <a:t>12/15/2021</a:t>
             </a:fld>
             <a:endParaRPr lang="en-US"/>
           </a:p>
@@ -467,7 +471,7 @@
           <a:p>
             <a:fld id="{F1FB4232-B2DB-4A24-8FCD-6F9EDD411114}" type="datetimeFigureOut">
               <a:rPr lang="en-US" smtClean="0"/>
-              <a:t>12/10/2021</a:t>
+              <a:t>12/15/2021</a:t>
             </a:fld>
             <a:endParaRPr lang="en-US"/>
           </a:p>
@@ -675,7 +679,7 @@
           <a:p>
             <a:fld id="{F1FB4232-B2DB-4A24-8FCD-6F9EDD411114}" type="datetimeFigureOut">
               <a:rPr lang="en-US" smtClean="0"/>
-              <a:t>12/10/2021</a:t>
+              <a:t>12/15/2021</a:t>
             </a:fld>
             <a:endParaRPr lang="en-US"/>
           </a:p>
@@ -873,7 +877,7 @@
           <a:p>
             <a:fld id="{F1FB4232-B2DB-4A24-8FCD-6F9EDD411114}" type="datetimeFigureOut">
               <a:rPr lang="en-US" smtClean="0"/>
-              <a:t>12/10/2021</a:t>
+              <a:t>12/15/2021</a:t>
             </a:fld>
             <a:endParaRPr lang="en-US"/>
           </a:p>
@@ -1148,7 +1152,7 @@
           <a:p>
             <a:fld id="{F1FB4232-B2DB-4A24-8FCD-6F9EDD411114}" type="datetimeFigureOut">
               <a:rPr lang="en-US" smtClean="0"/>
-              <a:t>12/10/2021</a:t>
+              <a:t>12/15/2021</a:t>
             </a:fld>
             <a:endParaRPr lang="en-US"/>
           </a:p>
@@ -1413,7 +1417,7 @@
           <a:p>
             <a:fld id="{F1FB4232-B2DB-4A24-8FCD-6F9EDD411114}" type="datetimeFigureOut">
               <a:rPr lang="en-US" smtClean="0"/>
-              <a:t>12/10/2021</a:t>
+              <a:t>12/15/2021</a:t>
             </a:fld>
             <a:endParaRPr lang="en-US"/>
           </a:p>
@@ -1825,7 +1829,7 @@
           <a:p>
             <a:fld id="{F1FB4232-B2DB-4A24-8FCD-6F9EDD411114}" type="datetimeFigureOut">
               <a:rPr lang="en-US" smtClean="0"/>
-              <a:t>12/10/2021</a:t>
+              <a:t>12/15/2021</a:t>
             </a:fld>
             <a:endParaRPr lang="en-US"/>
           </a:p>
@@ -1966,7 +1970,7 @@
           <a:p>
             <a:fld id="{F1FB4232-B2DB-4A24-8FCD-6F9EDD411114}" type="datetimeFigureOut">
               <a:rPr lang="en-US" smtClean="0"/>
-              <a:t>12/10/2021</a:t>
+              <a:t>12/15/2021</a:t>
             </a:fld>
             <a:endParaRPr lang="en-US"/>
           </a:p>
@@ -2079,7 +2083,7 @@
           <a:p>
             <a:fld id="{F1FB4232-B2DB-4A24-8FCD-6F9EDD411114}" type="datetimeFigureOut">
               <a:rPr lang="en-US" smtClean="0"/>
-              <a:t>12/10/2021</a:t>
+              <a:t>12/15/2021</a:t>
             </a:fld>
             <a:endParaRPr lang="en-US"/>
           </a:p>
@@ -2390,7 +2394,7 @@
           <a:p>
             <a:fld id="{F1FB4232-B2DB-4A24-8FCD-6F9EDD411114}" type="datetimeFigureOut">
               <a:rPr lang="en-US" smtClean="0"/>
-              <a:t>12/10/2021</a:t>
+              <a:t>12/15/2021</a:t>
             </a:fld>
             <a:endParaRPr lang="en-US"/>
           </a:p>
@@ -2678,7 +2682,7 @@
           <a:p>
             <a:fld id="{F1FB4232-B2DB-4A24-8FCD-6F9EDD411114}" type="datetimeFigureOut">
               <a:rPr lang="en-US" smtClean="0"/>
-              <a:t>12/10/2021</a:t>
+              <a:t>12/15/2021</a:t>
             </a:fld>
             <a:endParaRPr lang="en-US"/>
           </a:p>
@@ -2919,7 +2923,7 @@
           <a:p>
             <a:fld id="{F1FB4232-B2DB-4A24-8FCD-6F9EDD411114}" type="datetimeFigureOut">
               <a:rPr lang="en-US" smtClean="0"/>
-              <a:t>12/10/2021</a:t>
+              <a:t>12/15/2021</a:t>
             </a:fld>
             <a:endParaRPr lang="en-US"/>
           </a:p>
@@ -3398,6 +3402,246 @@
       </p:grpSpPr>
       <p:pic>
         <p:nvPicPr>
+          <p:cNvPr id="3" name="Picture 2">
+            <a:extLst>
+              <a:ext uri="{FF2B5EF4-FFF2-40B4-BE49-F238E27FC236}">
+                <a16:creationId xmlns:a16="http://schemas.microsoft.com/office/drawing/2014/main" id="{E69BD353-C1F3-465A-BE74-7501C855A724}"/>
+              </a:ext>
+            </a:extLst>
+          </p:cNvPr>
+          <p:cNvPicPr>
+            <a:picLocks noChangeAspect="1"/>
+          </p:cNvPicPr>
+          <p:nvPr/>
+        </p:nvPicPr>
+        <p:blipFill>
+          <a:blip r:embed="rId2"/>
+          <a:stretch>
+            <a:fillRect/>
+          </a:stretch>
+        </p:blipFill>
+        <p:spPr>
+          <a:xfrm>
+            <a:off x="1181566" y="0"/>
+            <a:ext cx="10774947" cy="6813809"/>
+          </a:xfrm>
+          <a:prstGeom prst="rect">
+            <a:avLst/>
+          </a:prstGeom>
+        </p:spPr>
+      </p:pic>
+    </p:spTree>
+    <p:extLst>
+      <p:ext uri="{BB962C8B-B14F-4D97-AF65-F5344CB8AC3E}">
+        <p14:creationId xmlns:p14="http://schemas.microsoft.com/office/powerpoint/2010/main" val="3544118633"/>
+      </p:ext>
+    </p:extLst>
+  </p:cSld>
+  <p:clrMapOvr>
+    <a:masterClrMapping/>
+  </p:clrMapOvr>
+</p:sld>
+</file>
+
+<file path=ppt/slides/slide11.xml><?xml version="1.0" encoding="utf-8"?>
+<p:sld xmlns:a="http://schemas.openxmlformats.org/drawingml/2006/main" xmlns:r="http://schemas.openxmlformats.org/officeDocument/2006/relationships" xmlns:p="http://schemas.openxmlformats.org/presentationml/2006/main">
+  <p:cSld>
+    <p:spTree>
+      <p:nvGrpSpPr>
+        <p:cNvPr id="1" name=""/>
+        <p:cNvGrpSpPr/>
+        <p:nvPr/>
+      </p:nvGrpSpPr>
+      <p:grpSpPr>
+        <a:xfrm>
+          <a:off x="0" y="0"/>
+          <a:ext cx="0" cy="0"/>
+          <a:chOff x="0" y="0"/>
+          <a:chExt cx="0" cy="0"/>
+        </a:xfrm>
+      </p:grpSpPr>
+      <p:pic>
+        <p:nvPicPr>
+          <p:cNvPr id="3" name="Picture 2">
+            <a:extLst>
+              <a:ext uri="{FF2B5EF4-FFF2-40B4-BE49-F238E27FC236}">
+                <a16:creationId xmlns:a16="http://schemas.microsoft.com/office/drawing/2014/main" id="{FE203CFC-56FE-42F0-8447-6AF515E61803}"/>
+              </a:ext>
+            </a:extLst>
+          </p:cNvPr>
+          <p:cNvPicPr>
+            <a:picLocks noChangeAspect="1"/>
+          </p:cNvPicPr>
+          <p:nvPr/>
+        </p:nvPicPr>
+        <p:blipFill>
+          <a:blip r:embed="rId2"/>
+          <a:stretch>
+            <a:fillRect/>
+          </a:stretch>
+        </p:blipFill>
+        <p:spPr>
+          <a:xfrm>
+            <a:off x="2033587" y="169264"/>
+            <a:ext cx="10215670" cy="6460136"/>
+          </a:xfrm>
+          <a:prstGeom prst="rect">
+            <a:avLst/>
+          </a:prstGeom>
+        </p:spPr>
+      </p:pic>
+    </p:spTree>
+    <p:extLst>
+      <p:ext uri="{BB962C8B-B14F-4D97-AF65-F5344CB8AC3E}">
+        <p14:creationId xmlns:p14="http://schemas.microsoft.com/office/powerpoint/2010/main" val="1371293738"/>
+      </p:ext>
+    </p:extLst>
+  </p:cSld>
+  <p:clrMapOvr>
+    <a:masterClrMapping/>
+  </p:clrMapOvr>
+</p:sld>
+</file>
+
+<file path=ppt/slides/slide12.xml><?xml version="1.0" encoding="utf-8"?>
+<p:sld xmlns:a="http://schemas.openxmlformats.org/drawingml/2006/main" xmlns:r="http://schemas.openxmlformats.org/officeDocument/2006/relationships" xmlns:p="http://schemas.openxmlformats.org/presentationml/2006/main">
+  <p:cSld>
+    <p:spTree>
+      <p:nvGrpSpPr>
+        <p:cNvPr id="1" name=""/>
+        <p:cNvGrpSpPr/>
+        <p:nvPr/>
+      </p:nvGrpSpPr>
+      <p:grpSpPr>
+        <a:xfrm>
+          <a:off x="0" y="0"/>
+          <a:ext cx="0" cy="0"/>
+          <a:chOff x="0" y="0"/>
+          <a:chExt cx="0" cy="0"/>
+        </a:xfrm>
+      </p:grpSpPr>
+      <p:pic>
+        <p:nvPicPr>
+          <p:cNvPr id="3" name="Picture 2">
+            <a:extLst>
+              <a:ext uri="{FF2B5EF4-FFF2-40B4-BE49-F238E27FC236}">
+                <a16:creationId xmlns:a16="http://schemas.microsoft.com/office/drawing/2014/main" id="{40D823A4-A8EA-453D-A092-957EDFC2FA45}"/>
+              </a:ext>
+            </a:extLst>
+          </p:cNvPr>
+          <p:cNvPicPr>
+            <a:picLocks noChangeAspect="1"/>
+          </p:cNvPicPr>
+          <p:nvPr/>
+        </p:nvPicPr>
+        <p:blipFill>
+          <a:blip r:embed="rId2"/>
+          <a:stretch>
+            <a:fillRect/>
+          </a:stretch>
+        </p:blipFill>
+        <p:spPr>
+          <a:xfrm>
+            <a:off x="914583" y="152400"/>
+            <a:ext cx="10603830" cy="6705599"/>
+          </a:xfrm>
+          <a:prstGeom prst="rect">
+            <a:avLst/>
+          </a:prstGeom>
+        </p:spPr>
+      </p:pic>
+    </p:spTree>
+    <p:extLst>
+      <p:ext uri="{BB962C8B-B14F-4D97-AF65-F5344CB8AC3E}">
+        <p14:creationId xmlns:p14="http://schemas.microsoft.com/office/powerpoint/2010/main" val="1799084520"/>
+      </p:ext>
+    </p:extLst>
+  </p:cSld>
+  <p:clrMapOvr>
+    <a:masterClrMapping/>
+  </p:clrMapOvr>
+</p:sld>
+</file>
+
+<file path=ppt/slides/slide13.xml><?xml version="1.0" encoding="utf-8"?>
+<p:sld xmlns:a="http://schemas.openxmlformats.org/drawingml/2006/main" xmlns:r="http://schemas.openxmlformats.org/officeDocument/2006/relationships" xmlns:p="http://schemas.openxmlformats.org/presentationml/2006/main">
+  <p:cSld>
+    <p:spTree>
+      <p:nvGrpSpPr>
+        <p:cNvPr id="1" name=""/>
+        <p:cNvGrpSpPr/>
+        <p:nvPr/>
+      </p:nvGrpSpPr>
+      <p:grpSpPr>
+        <a:xfrm>
+          <a:off x="0" y="0"/>
+          <a:ext cx="0" cy="0"/>
+          <a:chOff x="0" y="0"/>
+          <a:chExt cx="0" cy="0"/>
+        </a:xfrm>
+      </p:grpSpPr>
+      <p:pic>
+        <p:nvPicPr>
+          <p:cNvPr id="3" name="Picture 2">
+            <a:extLst>
+              <a:ext uri="{FF2B5EF4-FFF2-40B4-BE49-F238E27FC236}">
+                <a16:creationId xmlns:a16="http://schemas.microsoft.com/office/drawing/2014/main" id="{40E73A68-DE94-4FD1-97E2-D982B8656F5D}"/>
+              </a:ext>
+            </a:extLst>
+          </p:cNvPr>
+          <p:cNvPicPr>
+            <a:picLocks noChangeAspect="1"/>
+          </p:cNvPicPr>
+          <p:nvPr/>
+        </p:nvPicPr>
+        <p:blipFill>
+          <a:blip r:embed="rId2"/>
+          <a:stretch>
+            <a:fillRect/>
+          </a:stretch>
+        </p:blipFill>
+        <p:spPr>
+          <a:xfrm>
+            <a:off x="673587" y="0"/>
+            <a:ext cx="10603830" cy="6705599"/>
+          </a:xfrm>
+          <a:prstGeom prst="rect">
+            <a:avLst/>
+          </a:prstGeom>
+        </p:spPr>
+      </p:pic>
+    </p:spTree>
+    <p:extLst>
+      <p:ext uri="{BB962C8B-B14F-4D97-AF65-F5344CB8AC3E}">
+        <p14:creationId xmlns:p14="http://schemas.microsoft.com/office/powerpoint/2010/main" val="1383790162"/>
+      </p:ext>
+    </p:extLst>
+  </p:cSld>
+  <p:clrMapOvr>
+    <a:masterClrMapping/>
+  </p:clrMapOvr>
+</p:sld>
+</file>
+
+<file path=ppt/slides/slide14.xml><?xml version="1.0" encoding="utf-8"?>
+<p:sld xmlns:a="http://schemas.openxmlformats.org/drawingml/2006/main" xmlns:r="http://schemas.openxmlformats.org/officeDocument/2006/relationships" xmlns:p="http://schemas.openxmlformats.org/presentationml/2006/main">
+  <p:cSld>
+    <p:spTree>
+      <p:nvGrpSpPr>
+        <p:cNvPr id="1" name=""/>
+        <p:cNvGrpSpPr/>
+        <p:nvPr/>
+      </p:nvGrpSpPr>
+      <p:grpSpPr>
+        <a:xfrm>
+          <a:off x="0" y="0"/>
+          <a:ext cx="0" cy="0"/>
+          <a:chOff x="0" y="0"/>
+          <a:chExt cx="0" cy="0"/>
+        </a:xfrm>
+      </p:grpSpPr>
+      <p:pic>
+        <p:nvPicPr>
           <p:cNvPr id="5" name="Picture 4">
             <a:extLst>
               <a:ext uri="{FF2B5EF4-FFF2-40B4-BE49-F238E27FC236}">
@@ -3439,7 +3683,7 @@
 </p:sld>
 </file>
 
-<file path=ppt/slides/slide11.xml><?xml version="1.0" encoding="utf-8"?>
+<file path=ppt/slides/slide15.xml><?xml version="1.0" encoding="utf-8"?>
 <p:sld xmlns:a="http://schemas.openxmlformats.org/drawingml/2006/main" xmlns:r="http://schemas.openxmlformats.org/officeDocument/2006/relationships" xmlns:p="http://schemas.openxmlformats.org/presentationml/2006/main">
   <p:cSld>
     <p:spTree>
@@ -3516,6 +3760,446 @@
           <a:chExt cx="0" cy="0"/>
         </a:xfrm>
       </p:grpSpPr>
+      <p:sp>
+        <p:nvSpPr>
+          <p:cNvPr id="2" name="Title 1">
+            <a:extLst>
+              <a:ext uri="{FF2B5EF4-FFF2-40B4-BE49-F238E27FC236}">
+                <a16:creationId xmlns:a16="http://schemas.microsoft.com/office/drawing/2014/main" id="{721625BF-DD3C-4D4F-BFE9-30AD290B7F95}"/>
+              </a:ext>
+            </a:extLst>
+          </p:cNvPr>
+          <p:cNvSpPr>
+            <a:spLocks noGrp="1"/>
+          </p:cNvSpPr>
+          <p:nvPr>
+            <p:ph type="title"/>
+          </p:nvPr>
+        </p:nvSpPr>
+        <p:spPr/>
+        <p:txBody>
+          <a:bodyPr/>
+          <a:lstStyle/>
+          <a:p>
+            <a:endParaRPr lang="en-US"/>
+          </a:p>
+        </p:txBody>
+      </p:sp>
+      <p:sp>
+        <p:nvSpPr>
+          <p:cNvPr id="3" name="Content Placeholder 2">
+            <a:extLst>
+              <a:ext uri="{FF2B5EF4-FFF2-40B4-BE49-F238E27FC236}">
+                <a16:creationId xmlns:a16="http://schemas.microsoft.com/office/drawing/2014/main" id="{AC8B38DD-9755-4AD9-A4AC-0FC8AC91FE40}"/>
+              </a:ext>
+            </a:extLst>
+          </p:cNvPr>
+          <p:cNvSpPr>
+            <a:spLocks noGrp="1"/>
+          </p:cNvSpPr>
+          <p:nvPr>
+            <p:ph idx="1"/>
+          </p:nvPr>
+        </p:nvSpPr>
+        <p:spPr/>
+        <p:txBody>
+          <a:bodyPr/>
+          <a:lstStyle/>
+          <a:p>
+            <a:endParaRPr lang="en-US" dirty="0"/>
+          </a:p>
+        </p:txBody>
+      </p:sp>
+      <p:pic>
+        <p:nvPicPr>
+          <p:cNvPr id="5" name="Picture 4">
+            <a:extLst>
+              <a:ext uri="{FF2B5EF4-FFF2-40B4-BE49-F238E27FC236}">
+                <a16:creationId xmlns:a16="http://schemas.microsoft.com/office/drawing/2014/main" id="{4ABAE189-AD69-46E5-9FB7-C7368F44591A}"/>
+              </a:ext>
+            </a:extLst>
+          </p:cNvPr>
+          <p:cNvPicPr>
+            <a:picLocks noChangeAspect="1"/>
+          </p:cNvPicPr>
+          <p:nvPr/>
+        </p:nvPicPr>
+        <p:blipFill>
+          <a:blip r:embed="rId2"/>
+          <a:stretch>
+            <a:fillRect/>
+          </a:stretch>
+        </p:blipFill>
+        <p:spPr>
+          <a:xfrm>
+            <a:off x="2947987" y="219075"/>
+            <a:ext cx="6296025" cy="6419850"/>
+          </a:xfrm>
+          <a:prstGeom prst="rect">
+            <a:avLst/>
+          </a:prstGeom>
+        </p:spPr>
+      </p:pic>
+    </p:spTree>
+    <p:extLst>
+      <p:ext uri="{BB962C8B-B14F-4D97-AF65-F5344CB8AC3E}">
+        <p14:creationId xmlns:p14="http://schemas.microsoft.com/office/powerpoint/2010/main" val="3872399056"/>
+      </p:ext>
+    </p:extLst>
+  </p:cSld>
+  <p:clrMapOvr>
+    <a:masterClrMapping/>
+  </p:clrMapOvr>
+</p:sld>
+</file>
+
+<file path=ppt/slides/slide3.xml><?xml version="1.0" encoding="utf-8"?>
+<p:sld xmlns:a="http://schemas.openxmlformats.org/drawingml/2006/main" xmlns:r="http://schemas.openxmlformats.org/officeDocument/2006/relationships" xmlns:p="http://schemas.openxmlformats.org/presentationml/2006/main">
+  <p:cSld>
+    <p:spTree>
+      <p:nvGrpSpPr>
+        <p:cNvPr id="1" name=""/>
+        <p:cNvGrpSpPr/>
+        <p:nvPr/>
+      </p:nvGrpSpPr>
+      <p:grpSpPr>
+        <a:xfrm>
+          <a:off x="0" y="0"/>
+          <a:ext cx="0" cy="0"/>
+          <a:chOff x="0" y="0"/>
+          <a:chExt cx="0" cy="0"/>
+        </a:xfrm>
+      </p:grpSpPr>
+      <p:sp>
+        <p:nvSpPr>
+          <p:cNvPr id="2" name="Title 1">
+            <a:extLst>
+              <a:ext uri="{FF2B5EF4-FFF2-40B4-BE49-F238E27FC236}">
+                <a16:creationId xmlns:a16="http://schemas.microsoft.com/office/drawing/2014/main" id="{07129550-ECA2-405C-92CD-30826FAEB1EC}"/>
+              </a:ext>
+            </a:extLst>
+          </p:cNvPr>
+          <p:cNvSpPr>
+            <a:spLocks noGrp="1"/>
+          </p:cNvSpPr>
+          <p:nvPr>
+            <p:ph type="title"/>
+          </p:nvPr>
+        </p:nvSpPr>
+        <p:spPr/>
+        <p:txBody>
+          <a:bodyPr/>
+          <a:lstStyle/>
+          <a:p>
+            <a:endParaRPr lang="en-US"/>
+          </a:p>
+        </p:txBody>
+      </p:sp>
+      <p:sp>
+        <p:nvSpPr>
+          <p:cNvPr id="3" name="Content Placeholder 2">
+            <a:extLst>
+              <a:ext uri="{FF2B5EF4-FFF2-40B4-BE49-F238E27FC236}">
+                <a16:creationId xmlns:a16="http://schemas.microsoft.com/office/drawing/2014/main" id="{CCFFC846-7ABB-4278-A461-313C149C386B}"/>
+              </a:ext>
+            </a:extLst>
+          </p:cNvPr>
+          <p:cNvSpPr>
+            <a:spLocks noGrp="1"/>
+          </p:cNvSpPr>
+          <p:nvPr>
+            <p:ph idx="1"/>
+          </p:nvPr>
+        </p:nvSpPr>
+        <p:spPr/>
+        <p:txBody>
+          <a:bodyPr/>
+          <a:lstStyle/>
+          <a:p>
+            <a:endParaRPr lang="en-US"/>
+          </a:p>
+        </p:txBody>
+      </p:sp>
+      <p:pic>
+        <p:nvPicPr>
+          <p:cNvPr id="5" name="Picture 4">
+            <a:extLst>
+              <a:ext uri="{FF2B5EF4-FFF2-40B4-BE49-F238E27FC236}">
+                <a16:creationId xmlns:a16="http://schemas.microsoft.com/office/drawing/2014/main" id="{E68A630A-E42C-4EB3-B542-21D40B159A91}"/>
+              </a:ext>
+            </a:extLst>
+          </p:cNvPr>
+          <p:cNvPicPr>
+            <a:picLocks noChangeAspect="1"/>
+          </p:cNvPicPr>
+          <p:nvPr/>
+        </p:nvPicPr>
+        <p:blipFill>
+          <a:blip r:embed="rId2"/>
+          <a:stretch>
+            <a:fillRect/>
+          </a:stretch>
+        </p:blipFill>
+        <p:spPr>
+          <a:xfrm>
+            <a:off x="2982581" y="0"/>
+            <a:ext cx="6226838" cy="6858000"/>
+          </a:xfrm>
+          <a:prstGeom prst="rect">
+            <a:avLst/>
+          </a:prstGeom>
+        </p:spPr>
+      </p:pic>
+    </p:spTree>
+    <p:extLst>
+      <p:ext uri="{BB962C8B-B14F-4D97-AF65-F5344CB8AC3E}">
+        <p14:creationId xmlns:p14="http://schemas.microsoft.com/office/powerpoint/2010/main" val="419326572"/>
+      </p:ext>
+    </p:extLst>
+  </p:cSld>
+  <p:clrMapOvr>
+    <a:masterClrMapping/>
+  </p:clrMapOvr>
+</p:sld>
+</file>
+
+<file path=ppt/slides/slide4.xml><?xml version="1.0" encoding="utf-8"?>
+<p:sld xmlns:a="http://schemas.openxmlformats.org/drawingml/2006/main" xmlns:r="http://schemas.openxmlformats.org/officeDocument/2006/relationships" xmlns:p="http://schemas.openxmlformats.org/presentationml/2006/main">
+  <p:cSld>
+    <p:spTree>
+      <p:nvGrpSpPr>
+        <p:cNvPr id="1" name=""/>
+        <p:cNvGrpSpPr/>
+        <p:nvPr/>
+      </p:nvGrpSpPr>
+      <p:grpSpPr>
+        <a:xfrm>
+          <a:off x="0" y="0"/>
+          <a:ext cx="0" cy="0"/>
+          <a:chOff x="0" y="0"/>
+          <a:chExt cx="0" cy="0"/>
+        </a:xfrm>
+      </p:grpSpPr>
+      <p:sp>
+        <p:nvSpPr>
+          <p:cNvPr id="2" name="Title 1">
+            <a:extLst>
+              <a:ext uri="{FF2B5EF4-FFF2-40B4-BE49-F238E27FC236}">
+                <a16:creationId xmlns:a16="http://schemas.microsoft.com/office/drawing/2014/main" id="{94437360-8E00-419F-AAC8-58431E61FB21}"/>
+              </a:ext>
+            </a:extLst>
+          </p:cNvPr>
+          <p:cNvSpPr>
+            <a:spLocks noGrp="1"/>
+          </p:cNvSpPr>
+          <p:nvPr>
+            <p:ph type="title"/>
+          </p:nvPr>
+        </p:nvSpPr>
+        <p:spPr/>
+        <p:txBody>
+          <a:bodyPr/>
+          <a:lstStyle/>
+          <a:p>
+            <a:endParaRPr lang="en-US"/>
+          </a:p>
+        </p:txBody>
+      </p:sp>
+      <p:sp>
+        <p:nvSpPr>
+          <p:cNvPr id="3" name="Content Placeholder 2">
+            <a:extLst>
+              <a:ext uri="{FF2B5EF4-FFF2-40B4-BE49-F238E27FC236}">
+                <a16:creationId xmlns:a16="http://schemas.microsoft.com/office/drawing/2014/main" id="{8F16C8C4-445C-41B4-89AC-27211433DC2F}"/>
+              </a:ext>
+            </a:extLst>
+          </p:cNvPr>
+          <p:cNvSpPr>
+            <a:spLocks noGrp="1"/>
+          </p:cNvSpPr>
+          <p:nvPr>
+            <p:ph idx="1"/>
+          </p:nvPr>
+        </p:nvSpPr>
+        <p:spPr/>
+        <p:txBody>
+          <a:bodyPr/>
+          <a:lstStyle/>
+          <a:p>
+            <a:endParaRPr lang="en-US"/>
+          </a:p>
+        </p:txBody>
+      </p:sp>
+      <p:pic>
+        <p:nvPicPr>
+          <p:cNvPr id="5" name="Picture 4">
+            <a:extLst>
+              <a:ext uri="{FF2B5EF4-FFF2-40B4-BE49-F238E27FC236}">
+                <a16:creationId xmlns:a16="http://schemas.microsoft.com/office/drawing/2014/main" id="{37A3B391-4769-41C7-904B-C1E0E0936D82}"/>
+              </a:ext>
+            </a:extLst>
+          </p:cNvPr>
+          <p:cNvPicPr>
+            <a:picLocks noChangeAspect="1"/>
+          </p:cNvPicPr>
+          <p:nvPr/>
+        </p:nvPicPr>
+        <p:blipFill>
+          <a:blip r:embed="rId2"/>
+          <a:stretch>
+            <a:fillRect/>
+          </a:stretch>
+        </p:blipFill>
+        <p:spPr>
+          <a:xfrm>
+            <a:off x="2982581" y="0"/>
+            <a:ext cx="6226838" cy="6858000"/>
+          </a:xfrm>
+          <a:prstGeom prst="rect">
+            <a:avLst/>
+          </a:prstGeom>
+        </p:spPr>
+      </p:pic>
+    </p:spTree>
+    <p:extLst>
+      <p:ext uri="{BB962C8B-B14F-4D97-AF65-F5344CB8AC3E}">
+        <p14:creationId xmlns:p14="http://schemas.microsoft.com/office/powerpoint/2010/main" val="195340390"/>
+      </p:ext>
+    </p:extLst>
+  </p:cSld>
+  <p:clrMapOvr>
+    <a:masterClrMapping/>
+  </p:clrMapOvr>
+</p:sld>
+</file>
+
+<file path=ppt/slides/slide5.xml><?xml version="1.0" encoding="utf-8"?>
+<p:sld xmlns:a="http://schemas.openxmlformats.org/drawingml/2006/main" xmlns:r="http://schemas.openxmlformats.org/officeDocument/2006/relationships" xmlns:p="http://schemas.openxmlformats.org/presentationml/2006/main">
+  <p:cSld>
+    <p:spTree>
+      <p:nvGrpSpPr>
+        <p:cNvPr id="1" name=""/>
+        <p:cNvGrpSpPr/>
+        <p:nvPr/>
+      </p:nvGrpSpPr>
+      <p:grpSpPr>
+        <a:xfrm>
+          <a:off x="0" y="0"/>
+          <a:ext cx="0" cy="0"/>
+          <a:chOff x="0" y="0"/>
+          <a:chExt cx="0" cy="0"/>
+        </a:xfrm>
+      </p:grpSpPr>
+      <p:sp>
+        <p:nvSpPr>
+          <p:cNvPr id="2" name="Title 1">
+            <a:extLst>
+              <a:ext uri="{FF2B5EF4-FFF2-40B4-BE49-F238E27FC236}">
+                <a16:creationId xmlns:a16="http://schemas.microsoft.com/office/drawing/2014/main" id="{46978264-3484-48D2-99EF-AA782B319874}"/>
+              </a:ext>
+            </a:extLst>
+          </p:cNvPr>
+          <p:cNvSpPr>
+            <a:spLocks noGrp="1"/>
+          </p:cNvSpPr>
+          <p:nvPr>
+            <p:ph type="title"/>
+          </p:nvPr>
+        </p:nvSpPr>
+        <p:spPr/>
+        <p:txBody>
+          <a:bodyPr/>
+          <a:lstStyle/>
+          <a:p>
+            <a:endParaRPr lang="en-US"/>
+          </a:p>
+        </p:txBody>
+      </p:sp>
+      <p:sp>
+        <p:nvSpPr>
+          <p:cNvPr id="3" name="Content Placeholder 2">
+            <a:extLst>
+              <a:ext uri="{FF2B5EF4-FFF2-40B4-BE49-F238E27FC236}">
+                <a16:creationId xmlns:a16="http://schemas.microsoft.com/office/drawing/2014/main" id="{B2B42CF3-2A01-4B72-B31B-1430A83D300C}"/>
+              </a:ext>
+            </a:extLst>
+          </p:cNvPr>
+          <p:cNvSpPr>
+            <a:spLocks noGrp="1"/>
+          </p:cNvSpPr>
+          <p:nvPr>
+            <p:ph idx="1"/>
+          </p:nvPr>
+        </p:nvSpPr>
+        <p:spPr/>
+        <p:txBody>
+          <a:bodyPr/>
+          <a:lstStyle/>
+          <a:p>
+            <a:endParaRPr lang="en-US"/>
+          </a:p>
+        </p:txBody>
+      </p:sp>
+      <p:pic>
+        <p:nvPicPr>
+          <p:cNvPr id="5" name="Picture 4">
+            <a:extLst>
+              <a:ext uri="{FF2B5EF4-FFF2-40B4-BE49-F238E27FC236}">
+                <a16:creationId xmlns:a16="http://schemas.microsoft.com/office/drawing/2014/main" id="{5DE96442-C39F-4B9A-A1FB-21E7695850AD}"/>
+              </a:ext>
+            </a:extLst>
+          </p:cNvPr>
+          <p:cNvPicPr>
+            <a:picLocks noChangeAspect="1"/>
+          </p:cNvPicPr>
+          <p:nvPr/>
+        </p:nvPicPr>
+        <p:blipFill>
+          <a:blip r:embed="rId2"/>
+          <a:stretch>
+            <a:fillRect/>
+          </a:stretch>
+        </p:blipFill>
+        <p:spPr>
+          <a:xfrm>
+            <a:off x="2982581" y="0"/>
+            <a:ext cx="6226838" cy="6858000"/>
+          </a:xfrm>
+          <a:prstGeom prst="rect">
+            <a:avLst/>
+          </a:prstGeom>
+        </p:spPr>
+      </p:pic>
+    </p:spTree>
+    <p:extLst>
+      <p:ext uri="{BB962C8B-B14F-4D97-AF65-F5344CB8AC3E}">
+        <p14:creationId xmlns:p14="http://schemas.microsoft.com/office/powerpoint/2010/main" val="950436396"/>
+      </p:ext>
+    </p:extLst>
+  </p:cSld>
+  <p:clrMapOvr>
+    <a:masterClrMapping/>
+  </p:clrMapOvr>
+</p:sld>
+</file>
+
+<file path=ppt/slides/slide6.xml><?xml version="1.0" encoding="utf-8"?>
+<p:sld xmlns:a="http://schemas.openxmlformats.org/drawingml/2006/main" xmlns:r="http://schemas.openxmlformats.org/officeDocument/2006/relationships" xmlns:p="http://schemas.openxmlformats.org/presentationml/2006/main">
+  <p:cSld>
+    <p:spTree>
+      <p:nvGrpSpPr>
+        <p:cNvPr id="1" name=""/>
+        <p:cNvGrpSpPr/>
+        <p:nvPr/>
+      </p:nvGrpSpPr>
+      <p:grpSpPr>
+        <a:xfrm>
+          <a:off x="0" y="0"/>
+          <a:ext cx="0" cy="0"/>
+          <a:chOff x="0" y="0"/>
+          <a:chExt cx="0" cy="0"/>
+        </a:xfrm>
+      </p:grpSpPr>
       <p:pic>
         <p:nvPicPr>
           <p:cNvPr id="5" name="Picture 4">
@@ -3559,7 +4243,7 @@
 </p:sld>
 </file>
 
-<file path=ppt/slides/slide3.xml><?xml version="1.0" encoding="utf-8"?>
+<file path=ppt/slides/slide7.xml><?xml version="1.0" encoding="utf-8"?>
 <p:sld xmlns:a="http://schemas.openxmlformats.org/drawingml/2006/main" xmlns:r="http://schemas.openxmlformats.org/officeDocument/2006/relationships" xmlns:p="http://schemas.openxmlformats.org/presentationml/2006/main">
   <p:cSld>
     <p:spTree>
@@ -3619,7 +4303,7 @@
 </p:sld>
 </file>
 
-<file path=ppt/slides/slide4.xml><?xml version="1.0" encoding="utf-8"?>
+<file path=ppt/slides/slide8.xml><?xml version="1.0" encoding="utf-8"?>
 <p:sld xmlns:a="http://schemas.openxmlformats.org/drawingml/2006/main" xmlns:r="http://schemas.openxmlformats.org/officeDocument/2006/relationships" xmlns:p="http://schemas.openxmlformats.org/presentationml/2006/main">
   <p:cSld>
     <p:spTree>
@@ -3679,7 +4363,7 @@
 </p:sld>
 </file>
 
-<file path=ppt/slides/slide5.xml><?xml version="1.0" encoding="utf-8"?>
+<file path=ppt/slides/slide9.xml><?xml version="1.0" encoding="utf-8"?>
 <p:sld xmlns:a="http://schemas.openxmlformats.org/drawingml/2006/main" xmlns:r="http://schemas.openxmlformats.org/officeDocument/2006/relationships" xmlns:p="http://schemas.openxmlformats.org/presentationml/2006/main">
   <p:cSld>
     <p:spTree>
@@ -3730,246 +4414,6 @@
     <p:extLst>
       <p:ext uri="{BB962C8B-B14F-4D97-AF65-F5344CB8AC3E}">
         <p14:creationId xmlns:p14="http://schemas.microsoft.com/office/powerpoint/2010/main" val="596823963"/>
-      </p:ext>
-    </p:extLst>
-  </p:cSld>
-  <p:clrMapOvr>
-    <a:masterClrMapping/>
-  </p:clrMapOvr>
-</p:sld>
-</file>
-
-<file path=ppt/slides/slide6.xml><?xml version="1.0" encoding="utf-8"?>
-<p:sld xmlns:a="http://schemas.openxmlformats.org/drawingml/2006/main" xmlns:r="http://schemas.openxmlformats.org/officeDocument/2006/relationships" xmlns:p="http://schemas.openxmlformats.org/presentationml/2006/main">
-  <p:cSld>
-    <p:spTree>
-      <p:nvGrpSpPr>
-        <p:cNvPr id="1" name=""/>
-        <p:cNvGrpSpPr/>
-        <p:nvPr/>
-      </p:nvGrpSpPr>
-      <p:grpSpPr>
-        <a:xfrm>
-          <a:off x="0" y="0"/>
-          <a:ext cx="0" cy="0"/>
-          <a:chOff x="0" y="0"/>
-          <a:chExt cx="0" cy="0"/>
-        </a:xfrm>
-      </p:grpSpPr>
-      <p:pic>
-        <p:nvPicPr>
-          <p:cNvPr id="3" name="Picture 2">
-            <a:extLst>
-              <a:ext uri="{FF2B5EF4-FFF2-40B4-BE49-F238E27FC236}">
-                <a16:creationId xmlns:a16="http://schemas.microsoft.com/office/drawing/2014/main" id="{E69BD353-C1F3-465A-BE74-7501C855A724}"/>
-              </a:ext>
-            </a:extLst>
-          </p:cNvPr>
-          <p:cNvPicPr>
-            <a:picLocks noChangeAspect="1"/>
-          </p:cNvPicPr>
-          <p:nvPr/>
-        </p:nvPicPr>
-        <p:blipFill>
-          <a:blip r:embed="rId2"/>
-          <a:stretch>
-            <a:fillRect/>
-          </a:stretch>
-        </p:blipFill>
-        <p:spPr>
-          <a:xfrm>
-            <a:off x="1181566" y="0"/>
-            <a:ext cx="10774947" cy="6813809"/>
-          </a:xfrm>
-          <a:prstGeom prst="rect">
-            <a:avLst/>
-          </a:prstGeom>
-        </p:spPr>
-      </p:pic>
-    </p:spTree>
-    <p:extLst>
-      <p:ext uri="{BB962C8B-B14F-4D97-AF65-F5344CB8AC3E}">
-        <p14:creationId xmlns:p14="http://schemas.microsoft.com/office/powerpoint/2010/main" val="3544118633"/>
-      </p:ext>
-    </p:extLst>
-  </p:cSld>
-  <p:clrMapOvr>
-    <a:masterClrMapping/>
-  </p:clrMapOvr>
-</p:sld>
-</file>
-
-<file path=ppt/slides/slide7.xml><?xml version="1.0" encoding="utf-8"?>
-<p:sld xmlns:a="http://schemas.openxmlformats.org/drawingml/2006/main" xmlns:r="http://schemas.openxmlformats.org/officeDocument/2006/relationships" xmlns:p="http://schemas.openxmlformats.org/presentationml/2006/main">
-  <p:cSld>
-    <p:spTree>
-      <p:nvGrpSpPr>
-        <p:cNvPr id="1" name=""/>
-        <p:cNvGrpSpPr/>
-        <p:nvPr/>
-      </p:nvGrpSpPr>
-      <p:grpSpPr>
-        <a:xfrm>
-          <a:off x="0" y="0"/>
-          <a:ext cx="0" cy="0"/>
-          <a:chOff x="0" y="0"/>
-          <a:chExt cx="0" cy="0"/>
-        </a:xfrm>
-      </p:grpSpPr>
-      <p:pic>
-        <p:nvPicPr>
-          <p:cNvPr id="3" name="Picture 2">
-            <a:extLst>
-              <a:ext uri="{FF2B5EF4-FFF2-40B4-BE49-F238E27FC236}">
-                <a16:creationId xmlns:a16="http://schemas.microsoft.com/office/drawing/2014/main" id="{FE203CFC-56FE-42F0-8447-6AF515E61803}"/>
-              </a:ext>
-            </a:extLst>
-          </p:cNvPr>
-          <p:cNvPicPr>
-            <a:picLocks noChangeAspect="1"/>
-          </p:cNvPicPr>
-          <p:nvPr/>
-        </p:nvPicPr>
-        <p:blipFill>
-          <a:blip r:embed="rId2"/>
-          <a:stretch>
-            <a:fillRect/>
-          </a:stretch>
-        </p:blipFill>
-        <p:spPr>
-          <a:xfrm>
-            <a:off x="2033587" y="169264"/>
-            <a:ext cx="10215670" cy="6460136"/>
-          </a:xfrm>
-          <a:prstGeom prst="rect">
-            <a:avLst/>
-          </a:prstGeom>
-        </p:spPr>
-      </p:pic>
-    </p:spTree>
-    <p:extLst>
-      <p:ext uri="{BB962C8B-B14F-4D97-AF65-F5344CB8AC3E}">
-        <p14:creationId xmlns:p14="http://schemas.microsoft.com/office/powerpoint/2010/main" val="1371293738"/>
-      </p:ext>
-    </p:extLst>
-  </p:cSld>
-  <p:clrMapOvr>
-    <a:masterClrMapping/>
-  </p:clrMapOvr>
-</p:sld>
-</file>
-
-<file path=ppt/slides/slide8.xml><?xml version="1.0" encoding="utf-8"?>
-<p:sld xmlns:a="http://schemas.openxmlformats.org/drawingml/2006/main" xmlns:r="http://schemas.openxmlformats.org/officeDocument/2006/relationships" xmlns:p="http://schemas.openxmlformats.org/presentationml/2006/main">
-  <p:cSld>
-    <p:spTree>
-      <p:nvGrpSpPr>
-        <p:cNvPr id="1" name=""/>
-        <p:cNvGrpSpPr/>
-        <p:nvPr/>
-      </p:nvGrpSpPr>
-      <p:grpSpPr>
-        <a:xfrm>
-          <a:off x="0" y="0"/>
-          <a:ext cx="0" cy="0"/>
-          <a:chOff x="0" y="0"/>
-          <a:chExt cx="0" cy="0"/>
-        </a:xfrm>
-      </p:grpSpPr>
-      <p:pic>
-        <p:nvPicPr>
-          <p:cNvPr id="3" name="Picture 2">
-            <a:extLst>
-              <a:ext uri="{FF2B5EF4-FFF2-40B4-BE49-F238E27FC236}">
-                <a16:creationId xmlns:a16="http://schemas.microsoft.com/office/drawing/2014/main" id="{40D823A4-A8EA-453D-A092-957EDFC2FA45}"/>
-              </a:ext>
-            </a:extLst>
-          </p:cNvPr>
-          <p:cNvPicPr>
-            <a:picLocks noChangeAspect="1"/>
-          </p:cNvPicPr>
-          <p:nvPr/>
-        </p:nvPicPr>
-        <p:blipFill>
-          <a:blip r:embed="rId2"/>
-          <a:stretch>
-            <a:fillRect/>
-          </a:stretch>
-        </p:blipFill>
-        <p:spPr>
-          <a:xfrm>
-            <a:off x="914583" y="152400"/>
-            <a:ext cx="10603830" cy="6705599"/>
-          </a:xfrm>
-          <a:prstGeom prst="rect">
-            <a:avLst/>
-          </a:prstGeom>
-        </p:spPr>
-      </p:pic>
-    </p:spTree>
-    <p:extLst>
-      <p:ext uri="{BB962C8B-B14F-4D97-AF65-F5344CB8AC3E}">
-        <p14:creationId xmlns:p14="http://schemas.microsoft.com/office/powerpoint/2010/main" val="1799084520"/>
-      </p:ext>
-    </p:extLst>
-  </p:cSld>
-  <p:clrMapOvr>
-    <a:masterClrMapping/>
-  </p:clrMapOvr>
-</p:sld>
-</file>
-
-<file path=ppt/slides/slide9.xml><?xml version="1.0" encoding="utf-8"?>
-<p:sld xmlns:a="http://schemas.openxmlformats.org/drawingml/2006/main" xmlns:r="http://schemas.openxmlformats.org/officeDocument/2006/relationships" xmlns:p="http://schemas.openxmlformats.org/presentationml/2006/main">
-  <p:cSld>
-    <p:spTree>
-      <p:nvGrpSpPr>
-        <p:cNvPr id="1" name=""/>
-        <p:cNvGrpSpPr/>
-        <p:nvPr/>
-      </p:nvGrpSpPr>
-      <p:grpSpPr>
-        <a:xfrm>
-          <a:off x="0" y="0"/>
-          <a:ext cx="0" cy="0"/>
-          <a:chOff x="0" y="0"/>
-          <a:chExt cx="0" cy="0"/>
-        </a:xfrm>
-      </p:grpSpPr>
-      <p:pic>
-        <p:nvPicPr>
-          <p:cNvPr id="3" name="Picture 2">
-            <a:extLst>
-              <a:ext uri="{FF2B5EF4-FFF2-40B4-BE49-F238E27FC236}">
-                <a16:creationId xmlns:a16="http://schemas.microsoft.com/office/drawing/2014/main" id="{40E73A68-DE94-4FD1-97E2-D982B8656F5D}"/>
-              </a:ext>
-            </a:extLst>
-          </p:cNvPr>
-          <p:cNvPicPr>
-            <a:picLocks noChangeAspect="1"/>
-          </p:cNvPicPr>
-          <p:nvPr/>
-        </p:nvPicPr>
-        <p:blipFill>
-          <a:blip r:embed="rId2"/>
-          <a:stretch>
-            <a:fillRect/>
-          </a:stretch>
-        </p:blipFill>
-        <p:spPr>
-          <a:xfrm>
-            <a:off x="673587" y="0"/>
-            <a:ext cx="10603830" cy="6705599"/>
-          </a:xfrm>
-          <a:prstGeom prst="rect">
-            <a:avLst/>
-          </a:prstGeom>
-        </p:spPr>
-      </p:pic>
-    </p:spTree>
-    <p:extLst>
-      <p:ext uri="{BB962C8B-B14F-4D97-AF65-F5344CB8AC3E}">
-        <p14:creationId xmlns:p14="http://schemas.microsoft.com/office/powerpoint/2010/main" val="1383790162"/>
       </p:ext>
     </p:extLst>
   </p:cSld>
